--- a/Pdf/listview.pptx
+++ b/Pdf/listview.pptx
@@ -2980,8 +2980,98 @@
         </p:blipFill>
         <p:spPr>
           <a:xfrm>
-            <a:off x="4050219" y="289710"/>
+            <a:off x="1044469" y="289710"/>
             <a:ext cx="3056751" cy="6273617"/>
+          </a:xfrm>
+          <a:prstGeom prst="rect">
+            <a:avLst/>
+          </a:prstGeom>
+          <a:ln>
+            <a:noFill/>
+          </a:ln>
+          <a:effectLst>
+            <a:outerShdw blurRad="149987" dist="250190" dir="8460000" algn="ctr">
+              <a:srgbClr val="000000">
+                <a:alpha val="28000"/>
+              </a:srgbClr>
+            </a:outerShdw>
+          </a:effectLst>
+          <a:scene3d>
+            <a:camera prst="orthographicFront">
+              <a:rot lat="0" lon="0" rev="0"/>
+            </a:camera>
+            <a:lightRig rig="contrasting" dir="t">
+              <a:rot lat="0" lon="0" rev="1500000"/>
+            </a:lightRig>
+          </a:scene3d>
+          <a:sp3d prstMaterial="metal">
+            <a:bevelT w="88900" h="88900"/>
+          </a:sp3d>
+        </p:spPr>
+      </p:pic>
+      <p:pic>
+        <p:nvPicPr>
+          <p:cNvPr id="5" name="Picture 4"/>
+          <p:cNvPicPr>
+            <a:picLocks noChangeAspect="1"/>
+          </p:cNvPicPr>
+          <p:nvPr/>
+        </p:nvPicPr>
+        <p:blipFill>
+          <a:blip r:embed="rId3"/>
+          <a:stretch>
+            <a:fillRect/>
+          </a:stretch>
+        </p:blipFill>
+        <p:spPr>
+          <a:xfrm>
+            <a:off x="4464122" y="289710"/>
+            <a:ext cx="3023093" cy="6279854"/>
+          </a:xfrm>
+          <a:prstGeom prst="rect">
+            <a:avLst/>
+          </a:prstGeom>
+          <a:ln>
+            <a:noFill/>
+          </a:ln>
+          <a:effectLst>
+            <a:outerShdw blurRad="149987" dist="250190" dir="8460000" algn="ctr">
+              <a:srgbClr val="000000">
+                <a:alpha val="28000"/>
+              </a:srgbClr>
+            </a:outerShdw>
+          </a:effectLst>
+          <a:scene3d>
+            <a:camera prst="orthographicFront">
+              <a:rot lat="0" lon="0" rev="0"/>
+            </a:camera>
+            <a:lightRig rig="contrasting" dir="t">
+              <a:rot lat="0" lon="0" rev="1500000"/>
+            </a:lightRig>
+          </a:scene3d>
+          <a:sp3d prstMaterial="metal">
+            <a:bevelT w="88900" h="88900"/>
+          </a:sp3d>
+        </p:spPr>
+      </p:pic>
+      <p:pic>
+        <p:nvPicPr>
+          <p:cNvPr id="6" name="Picture 5"/>
+          <p:cNvPicPr>
+            <a:picLocks noChangeAspect="1"/>
+          </p:cNvPicPr>
+          <p:nvPr/>
+        </p:nvPicPr>
+        <p:blipFill>
+          <a:blip r:embed="rId4"/>
+          <a:stretch>
+            <a:fillRect/>
+          </a:stretch>
+        </p:blipFill>
+        <p:spPr>
+          <a:xfrm>
+            <a:off x="7850117" y="289710"/>
+            <a:ext cx="3113630" cy="6271218"/>
           </a:xfrm>
           <a:prstGeom prst="rect">
             <a:avLst/>
